--- a/part-3/part-3.pptx
+++ b/part-3/part-3.pptx
@@ -260,7 +260,7 @@
           <a:p>
             <a:fld id="{FF29FEDB-3BE8-4B38-8C2A-B04B63C9D291}" type="datetimeFigureOut">
               <a:rPr lang="en-US" smtClean="0"/>
-              <a:t>1/25/2023</a:t>
+              <a:t>1/26/2023</a:t>
             </a:fld>
             <a:endParaRPr lang="en-US"/>
           </a:p>
@@ -458,7 +458,7 @@
           <a:p>
             <a:fld id="{FF29FEDB-3BE8-4B38-8C2A-B04B63C9D291}" type="datetimeFigureOut">
               <a:rPr lang="en-US" smtClean="0"/>
-              <a:t>1/25/2023</a:t>
+              <a:t>1/26/2023</a:t>
             </a:fld>
             <a:endParaRPr lang="en-US"/>
           </a:p>
@@ -666,7 +666,7 @@
           <a:p>
             <a:fld id="{FF29FEDB-3BE8-4B38-8C2A-B04B63C9D291}" type="datetimeFigureOut">
               <a:rPr lang="en-US" smtClean="0"/>
-              <a:t>1/25/2023</a:t>
+              <a:t>1/26/2023</a:t>
             </a:fld>
             <a:endParaRPr lang="en-US"/>
           </a:p>
@@ -864,7 +864,7 @@
           <a:p>
             <a:fld id="{FF29FEDB-3BE8-4B38-8C2A-B04B63C9D291}" type="datetimeFigureOut">
               <a:rPr lang="en-US" smtClean="0"/>
-              <a:t>1/25/2023</a:t>
+              <a:t>1/26/2023</a:t>
             </a:fld>
             <a:endParaRPr lang="en-US"/>
           </a:p>
@@ -1139,7 +1139,7 @@
           <a:p>
             <a:fld id="{FF29FEDB-3BE8-4B38-8C2A-B04B63C9D291}" type="datetimeFigureOut">
               <a:rPr lang="en-US" smtClean="0"/>
-              <a:t>1/25/2023</a:t>
+              <a:t>1/26/2023</a:t>
             </a:fld>
             <a:endParaRPr lang="en-US"/>
           </a:p>
@@ -1404,7 +1404,7 @@
           <a:p>
             <a:fld id="{FF29FEDB-3BE8-4B38-8C2A-B04B63C9D291}" type="datetimeFigureOut">
               <a:rPr lang="en-US" smtClean="0"/>
-              <a:t>1/25/2023</a:t>
+              <a:t>1/26/2023</a:t>
             </a:fld>
             <a:endParaRPr lang="en-US"/>
           </a:p>
@@ -1816,7 +1816,7 @@
           <a:p>
             <a:fld id="{FF29FEDB-3BE8-4B38-8C2A-B04B63C9D291}" type="datetimeFigureOut">
               <a:rPr lang="en-US" smtClean="0"/>
-              <a:t>1/25/2023</a:t>
+              <a:t>1/26/2023</a:t>
             </a:fld>
             <a:endParaRPr lang="en-US"/>
           </a:p>
@@ -1957,7 +1957,7 @@
           <a:p>
             <a:fld id="{FF29FEDB-3BE8-4B38-8C2A-B04B63C9D291}" type="datetimeFigureOut">
               <a:rPr lang="en-US" smtClean="0"/>
-              <a:t>1/25/2023</a:t>
+              <a:t>1/26/2023</a:t>
             </a:fld>
             <a:endParaRPr lang="en-US"/>
           </a:p>
@@ -2070,7 +2070,7 @@
           <a:p>
             <a:fld id="{FF29FEDB-3BE8-4B38-8C2A-B04B63C9D291}" type="datetimeFigureOut">
               <a:rPr lang="en-US" smtClean="0"/>
-              <a:t>1/25/2023</a:t>
+              <a:t>1/26/2023</a:t>
             </a:fld>
             <a:endParaRPr lang="en-US"/>
           </a:p>
@@ -2381,7 +2381,7 @@
           <a:p>
             <a:fld id="{FF29FEDB-3BE8-4B38-8C2A-B04B63C9D291}" type="datetimeFigureOut">
               <a:rPr lang="en-US" smtClean="0"/>
-              <a:t>1/25/2023</a:t>
+              <a:t>1/26/2023</a:t>
             </a:fld>
             <a:endParaRPr lang="en-US"/>
           </a:p>
@@ -2669,7 +2669,7 @@
           <a:p>
             <a:fld id="{FF29FEDB-3BE8-4B38-8C2A-B04B63C9D291}" type="datetimeFigureOut">
               <a:rPr lang="en-US" smtClean="0"/>
-              <a:t>1/25/2023</a:t>
+              <a:t>1/26/2023</a:t>
             </a:fld>
             <a:endParaRPr lang="en-US"/>
           </a:p>
@@ -2910,7 +2910,7 @@
           <a:p>
             <a:fld id="{FF29FEDB-3BE8-4B38-8C2A-B04B63C9D291}" type="datetimeFigureOut">
               <a:rPr lang="en-US" smtClean="0"/>
-              <a:t>1/25/2023</a:t>
+              <a:t>1/26/2023</a:t>
             </a:fld>
             <a:endParaRPr lang="en-US"/>
           </a:p>
@@ -4837,8 +4837,8 @@
         </p:nvSpPr>
         <p:spPr>
           <a:xfrm>
-            <a:off x="3553769" y="1069385"/>
-            <a:ext cx="5278582" cy="5262979"/>
+            <a:off x="3553769" y="853252"/>
+            <a:ext cx="5278582" cy="5816977"/>
           </a:xfrm>
           <a:prstGeom prst="rect">
             <a:avLst/>
@@ -4999,6 +4999,41 @@
                 </a:solidFill>
                 <a:latin typeface="Courier New" panose="02070309020205020404" pitchFamily="49" charset="0"/>
               </a:rPr>
+              <a:t>customer_id</a:t>
+            </a:r>
+            <a:r>
+              <a:rPr lang="en-US" sz="1200" dirty="0">
+                <a:solidFill>
+                  <a:srgbClr val="FFC000"/>
+                </a:solidFill>
+                <a:latin typeface="Courier New" panose="02070309020205020404" pitchFamily="49" charset="0"/>
+              </a:rPr>
+              <a:t>": 20,</a:t>
+            </a:r>
+            <a:br>
+              <a:rPr lang="en-US" sz="1200" dirty="0">
+                <a:solidFill>
+                  <a:srgbClr val="FFC000"/>
+                </a:solidFill>
+                <a:latin typeface="Courier New" panose="02070309020205020404" pitchFamily="49" charset="0"/>
+              </a:rPr>
+            </a:br>
+            <a:r>
+              <a:rPr lang="en-US" sz="1200" dirty="0">
+                <a:solidFill>
+                  <a:srgbClr val="FFC000"/>
+                </a:solidFill>
+                <a:latin typeface="Courier New" panose="02070309020205020404" pitchFamily="49" charset="0"/>
+              </a:rPr>
+              <a:t>    "</a:t>
+            </a:r>
+            <a:r>
+              <a:rPr lang="en-US" sz="1200" dirty="0" err="1">
+                <a:solidFill>
+                  <a:srgbClr val="FFC000"/>
+                </a:solidFill>
+                <a:latin typeface="Courier New" panose="02070309020205020404" pitchFamily="49" charset="0"/>
+              </a:rPr>
               <a:t>first_name</a:t>
             </a:r>
             <a:r>
@@ -5221,10 +5256,45 @@
             <a:r>
               <a:rPr lang="en-US" sz="1200" dirty="0">
                 <a:solidFill>
+                  <a:srgbClr val="FFC000"/>
+                </a:solidFill>
+                <a:latin typeface="Courier New" panose="02070309020205020404" pitchFamily="49" charset="0"/>
+              </a:rPr>
+              <a:t>       "</a:t>
+            </a:r>
+            <a:r>
+              <a:rPr lang="en-US" sz="1200" dirty="0" err="1">
+                <a:solidFill>
+                  <a:srgbClr val="FFC000"/>
+                </a:solidFill>
+                <a:latin typeface="Courier New" panose="02070309020205020404" pitchFamily="49" charset="0"/>
+              </a:rPr>
+              <a:t>order_id</a:t>
+            </a:r>
+            <a:r>
+              <a:rPr lang="en-US" sz="1200" dirty="0">
+                <a:solidFill>
+                  <a:srgbClr val="FFC000"/>
+                </a:solidFill>
+                <a:latin typeface="Courier New" panose="02070309020205020404" pitchFamily="49" charset="0"/>
+              </a:rPr>
+              <a:t>": 1,</a:t>
+            </a:r>
+            <a:br>
+              <a:rPr lang="en-US" sz="1200" dirty="0">
+                <a:solidFill>
                   <a:srgbClr val="92D050"/>
                 </a:solidFill>
                 <a:latin typeface="Courier New" panose="02070309020205020404" pitchFamily="49" charset="0"/>
               </a:rPr>
+            </a:br>
+            <a:r>
+              <a:rPr lang="en-US" sz="1200" dirty="0">
+                <a:solidFill>
+                  <a:srgbClr val="92D050"/>
+                </a:solidFill>
+                <a:latin typeface="Courier New" panose="02070309020205020404" pitchFamily="49" charset="0"/>
+              </a:rPr>
               <a:t>       "</a:t>
             </a:r>
             <a:r>
@@ -5306,6 +5376,35 @@
                 <a:latin typeface="Courier New" panose="02070309020205020404" pitchFamily="49" charset="0"/>
               </a:rPr>
               <a:t>     {</a:t>
+            </a:r>
+          </a:p>
+          <a:p>
+            <a:r>
+              <a:rPr lang="en-US" sz="1200" dirty="0">
+                <a:solidFill>
+                  <a:srgbClr val="FFC000"/>
+                </a:solidFill>
+                <a:latin typeface="Courier New" panose="02070309020205020404" pitchFamily="49" charset="0"/>
+              </a:rPr>
+              <a:t>       "</a:t>
+            </a:r>
+            <a:r>
+              <a:rPr lang="en-US" sz="1200" dirty="0" err="1">
+                <a:solidFill>
+                  <a:srgbClr val="FFC000"/>
+                </a:solidFill>
+                <a:latin typeface="Courier New" panose="02070309020205020404" pitchFamily="49" charset="0"/>
+              </a:rPr>
+              <a:t>order_id</a:t>
+            </a:r>
+            <a:r>
+              <a:rPr lang="en-US" sz="1200" dirty="0">
+                <a:solidFill>
+                  <a:srgbClr val="FFC000"/>
+                </a:solidFill>
+                <a:latin typeface="Courier New" panose="02070309020205020404" pitchFamily="49" charset="0"/>
+              </a:rPr>
+              <a:t>": 1,</a:t>
             </a:r>
             <a:br>
               <a:rPr lang="en-US" sz="1200" dirty="0">
